--- a/seminar/SeminarIVZ9min.pptx
+++ b/seminar/SeminarIVZ9min.pptx
@@ -250,7 +250,7 @@
           <a:p>
             <a:fld id="{EF8C8B33-8DB0-46F2-8154-6FB9E30C8046}" type="datetimeFigureOut">
               <a:rPr lang="en-SI" smtClean="0"/>
-              <a:t>25/10/2024</a:t>
+              <a:t>11/11/2024</a:t>
             </a:fld>
             <a:endParaRPr lang="en-SI"/>
           </a:p>
@@ -420,7 +420,7 @@
           <a:p>
             <a:fld id="{EF8C8B33-8DB0-46F2-8154-6FB9E30C8046}" type="datetimeFigureOut">
               <a:rPr lang="en-SI" smtClean="0"/>
-              <a:t>25/10/2024</a:t>
+              <a:t>11/11/2024</a:t>
             </a:fld>
             <a:endParaRPr lang="en-SI"/>
           </a:p>
@@ -600,7 +600,7 @@
           <a:p>
             <a:fld id="{EF8C8B33-8DB0-46F2-8154-6FB9E30C8046}" type="datetimeFigureOut">
               <a:rPr lang="en-SI" smtClean="0"/>
-              <a:t>25/10/2024</a:t>
+              <a:t>11/11/2024</a:t>
             </a:fld>
             <a:endParaRPr lang="en-SI"/>
           </a:p>
@@ -770,7 +770,7 @@
           <a:p>
             <a:fld id="{EF8C8B33-8DB0-46F2-8154-6FB9E30C8046}" type="datetimeFigureOut">
               <a:rPr lang="en-SI" smtClean="0"/>
-              <a:t>25/10/2024</a:t>
+              <a:t>11/11/2024</a:t>
             </a:fld>
             <a:endParaRPr lang="en-SI"/>
           </a:p>
@@ -1016,7 +1016,7 @@
           <a:p>
             <a:fld id="{EF8C8B33-8DB0-46F2-8154-6FB9E30C8046}" type="datetimeFigureOut">
               <a:rPr lang="en-SI" smtClean="0"/>
-              <a:t>25/10/2024</a:t>
+              <a:t>11/11/2024</a:t>
             </a:fld>
             <a:endParaRPr lang="en-SI"/>
           </a:p>
@@ -1248,7 +1248,7 @@
           <a:p>
             <a:fld id="{EF8C8B33-8DB0-46F2-8154-6FB9E30C8046}" type="datetimeFigureOut">
               <a:rPr lang="en-SI" smtClean="0"/>
-              <a:t>25/10/2024</a:t>
+              <a:t>11/11/2024</a:t>
             </a:fld>
             <a:endParaRPr lang="en-SI"/>
           </a:p>
@@ -1615,7 +1615,7 @@
           <a:p>
             <a:fld id="{EF8C8B33-8DB0-46F2-8154-6FB9E30C8046}" type="datetimeFigureOut">
               <a:rPr lang="en-SI" smtClean="0"/>
-              <a:t>25/10/2024</a:t>
+              <a:t>11/11/2024</a:t>
             </a:fld>
             <a:endParaRPr lang="en-SI"/>
           </a:p>
@@ -1733,7 +1733,7 @@
           <a:p>
             <a:fld id="{EF8C8B33-8DB0-46F2-8154-6FB9E30C8046}" type="datetimeFigureOut">
               <a:rPr lang="en-SI" smtClean="0"/>
-              <a:t>25/10/2024</a:t>
+              <a:t>11/11/2024</a:t>
             </a:fld>
             <a:endParaRPr lang="en-SI"/>
           </a:p>
@@ -1828,7 +1828,7 @@
           <a:p>
             <a:fld id="{EF8C8B33-8DB0-46F2-8154-6FB9E30C8046}" type="datetimeFigureOut">
               <a:rPr lang="en-SI" smtClean="0"/>
-              <a:t>25/10/2024</a:t>
+              <a:t>11/11/2024</a:t>
             </a:fld>
             <a:endParaRPr lang="en-SI"/>
           </a:p>
@@ -2105,7 +2105,7 @@
           <a:p>
             <a:fld id="{EF8C8B33-8DB0-46F2-8154-6FB9E30C8046}" type="datetimeFigureOut">
               <a:rPr lang="en-SI" smtClean="0"/>
-              <a:t>25/10/2024</a:t>
+              <a:t>11/11/2024</a:t>
             </a:fld>
             <a:endParaRPr lang="en-SI"/>
           </a:p>
@@ -2362,7 +2362,7 @@
           <a:p>
             <a:fld id="{EF8C8B33-8DB0-46F2-8154-6FB9E30C8046}" type="datetimeFigureOut">
               <a:rPr lang="en-SI" smtClean="0"/>
-              <a:t>25/10/2024</a:t>
+              <a:t>11/11/2024</a:t>
             </a:fld>
             <a:endParaRPr lang="en-SI"/>
           </a:p>
@@ -2575,7 +2575,7 @@
           <a:p>
             <a:fld id="{EF8C8B33-8DB0-46F2-8154-6FB9E30C8046}" type="datetimeFigureOut">
               <a:rPr lang="en-SI" smtClean="0"/>
-              <a:t>25/10/2024</a:t>
+              <a:t>11/11/2024</a:t>
             </a:fld>
             <a:endParaRPr lang="en-SI"/>
           </a:p>
@@ -3159,6 +3159,48 @@
           </a:p>
         </p:txBody>
       </p:sp>
+      <p:pic>
+        <p:nvPicPr>
+          <p:cNvPr id="4" name="Picture 3">
+            <a:extLst>
+              <a:ext uri="{FF2B5EF4-FFF2-40B4-BE49-F238E27FC236}">
+                <a16:creationId xmlns:a16="http://schemas.microsoft.com/office/drawing/2014/main" id="{7F193381-E1AC-19C7-5AB9-35D975E281FD}"/>
+              </a:ext>
+            </a:extLst>
+          </p:cNvPr>
+          <p:cNvPicPr>
+            <a:picLocks noChangeAspect="1"/>
+          </p:cNvPicPr>
+          <p:nvPr/>
+        </p:nvPicPr>
+        <p:blipFill>
+          <a:blip r:embed="rId2">
+            <a:extLst>
+              <a:ext uri="{BEBA8EAE-BF5A-486C-A8C5-ECC9F3942E4B}">
+                <a14:imgProps xmlns:a14="http://schemas.microsoft.com/office/drawing/2010/main">
+                  <a14:imgLayer r:embed="rId3">
+                    <a14:imgEffect>
+                      <a14:saturation sat="0"/>
+                    </a14:imgEffect>
+                  </a14:imgLayer>
+                </a14:imgProps>
+              </a:ext>
+            </a:extLst>
+          </a:blip>
+          <a:stretch>
+            <a:fillRect/>
+          </a:stretch>
+        </p:blipFill>
+        <p:spPr>
+          <a:xfrm>
+            <a:off x="6894093" y="2531434"/>
+            <a:ext cx="4459707" cy="3344780"/>
+          </a:xfrm>
+          <a:prstGeom prst="rect">
+            <a:avLst/>
+          </a:prstGeom>
+        </p:spPr>
+      </p:pic>
     </p:spTree>
     <p:extLst>
       <p:ext uri="{BB962C8B-B14F-4D97-AF65-F5344CB8AC3E}">
@@ -3278,7 +3320,19 @@
           <p:nvPr/>
         </p:nvPicPr>
         <p:blipFill>
-          <a:blip r:embed="rId2"/>
+          <a:blip r:embed="rId2">
+            <a:extLst>
+              <a:ext uri="{BEBA8EAE-BF5A-486C-A8C5-ECC9F3942E4B}">
+                <a14:imgProps xmlns:a14="http://schemas.microsoft.com/office/drawing/2010/main">
+                  <a14:imgLayer r:embed="rId3">
+                    <a14:imgEffect>
+                      <a14:saturation sat="0"/>
+                    </a14:imgEffect>
+                  </a14:imgLayer>
+                </a14:imgProps>
+              </a:ext>
+            </a:extLst>
+          </a:blip>
           <a:stretch>
             <a:fillRect/>
           </a:stretch>
@@ -3308,7 +3362,19 @@
           <p:nvPr/>
         </p:nvPicPr>
         <p:blipFill>
-          <a:blip r:embed="rId3"/>
+          <a:blip r:embed="rId4">
+            <a:extLst>
+              <a:ext uri="{BEBA8EAE-BF5A-486C-A8C5-ECC9F3942E4B}">
+                <a14:imgProps xmlns:a14="http://schemas.microsoft.com/office/drawing/2010/main">
+                  <a14:imgLayer r:embed="rId5">
+                    <a14:imgEffect>
+                      <a14:saturation sat="0"/>
+                    </a14:imgEffect>
+                  </a14:imgLayer>
+                </a14:imgProps>
+              </a:ext>
+            </a:extLst>
+          </a:blip>
           <a:stretch>
             <a:fillRect/>
           </a:stretch>
@@ -3338,7 +3404,19 @@
           <p:nvPr/>
         </p:nvPicPr>
         <p:blipFill rotWithShape="1">
-          <a:blip r:embed="rId4"/>
+          <a:blip r:embed="rId6">
+            <a:extLst>
+              <a:ext uri="{BEBA8EAE-BF5A-486C-A8C5-ECC9F3942E4B}">
+                <a14:imgProps xmlns:a14="http://schemas.microsoft.com/office/drawing/2010/main">
+                  <a14:imgLayer r:embed="rId7">
+                    <a14:imgEffect>
+                      <a14:saturation sat="0"/>
+                    </a14:imgEffect>
+                  </a14:imgLayer>
+                </a14:imgProps>
+              </a:ext>
+            </a:extLst>
+          </a:blip>
           <a:srcRect r="51969"/>
           <a:stretch/>
         </p:blipFill>
@@ -3367,15 +3445,27 @@
           <p:nvPr/>
         </p:nvPicPr>
         <p:blipFill>
-          <a:blip r:embed="rId5"/>
+          <a:blip r:embed="rId8">
+            <a:extLst>
+              <a:ext uri="{BEBA8EAE-BF5A-486C-A8C5-ECC9F3942E4B}">
+                <a14:imgProps xmlns:a14="http://schemas.microsoft.com/office/drawing/2010/main">
+                  <a14:imgLayer r:embed="rId9">
+                    <a14:imgEffect>
+                      <a14:saturation sat="0"/>
+                    </a14:imgEffect>
+                  </a14:imgLayer>
+                </a14:imgProps>
+              </a:ext>
+            </a:extLst>
+          </a:blip>
           <a:stretch>
             <a:fillRect/>
           </a:stretch>
         </p:blipFill>
         <p:spPr>
           <a:xfrm>
-            <a:off x="6340886" y="2335757"/>
-            <a:ext cx="2587962" cy="1724524"/>
+            <a:off x="6001046" y="2192656"/>
+            <a:ext cx="3220209" cy="2145830"/>
           </a:xfrm>
           <a:prstGeom prst="rect">
             <a:avLst/>
@@ -3403,7 +3493,19 @@
           <p:nvPr/>
         </p:nvPicPr>
         <p:blipFill>
-          <a:blip r:embed="rId6"/>
+          <a:blip r:embed="rId10">
+            <a:extLst>
+              <a:ext uri="{BEBA8EAE-BF5A-486C-A8C5-ECC9F3942E4B}">
+                <a14:imgProps xmlns:a14="http://schemas.microsoft.com/office/drawing/2010/main">
+                  <a14:imgLayer r:embed="rId11">
+                    <a14:imgEffect>
+                      <a14:saturation sat="0"/>
+                    </a14:imgEffect>
+                  </a14:imgLayer>
+                </a14:imgProps>
+              </a:ext>
+            </a:extLst>
+          </a:blip>
           <a:stretch>
             <a:fillRect/>
           </a:stretch>
@@ -3518,6 +3620,48 @@
           </a:p>
         </p:txBody>
       </p:sp>
+      <p:pic>
+        <p:nvPicPr>
+          <p:cNvPr id="4" name="Picture 3">
+            <a:extLst>
+              <a:ext uri="{FF2B5EF4-FFF2-40B4-BE49-F238E27FC236}">
+                <a16:creationId xmlns:a16="http://schemas.microsoft.com/office/drawing/2014/main" id="{45FACF2D-0FD8-72FC-052D-416602EA7BED}"/>
+              </a:ext>
+            </a:extLst>
+          </p:cNvPr>
+          <p:cNvPicPr>
+            <a:picLocks noChangeAspect="1"/>
+          </p:cNvPicPr>
+          <p:nvPr/>
+        </p:nvPicPr>
+        <p:blipFill>
+          <a:blip r:embed="rId2">
+            <a:extLst>
+              <a:ext uri="{BEBA8EAE-BF5A-486C-A8C5-ECC9F3942E4B}">
+                <a14:imgProps xmlns:a14="http://schemas.microsoft.com/office/drawing/2010/main">
+                  <a14:imgLayer r:embed="rId3">
+                    <a14:imgEffect>
+                      <a14:saturation sat="0"/>
+                    </a14:imgEffect>
+                  </a14:imgLayer>
+                </a14:imgProps>
+              </a:ext>
+            </a:extLst>
+          </a:blip>
+          <a:stretch>
+            <a:fillRect/>
+          </a:stretch>
+        </p:blipFill>
+        <p:spPr>
+          <a:xfrm>
+            <a:off x="6577264" y="2205123"/>
+            <a:ext cx="4106778" cy="4106778"/>
+          </a:xfrm>
+          <a:prstGeom prst="rect">
+            <a:avLst/>
+          </a:prstGeom>
+        </p:spPr>
+      </p:pic>
     </p:spTree>
     <p:extLst>
       <p:ext uri="{BB962C8B-B14F-4D97-AF65-F5344CB8AC3E}">
@@ -3617,6 +3761,54 @@
           </a:p>
         </p:txBody>
       </p:sp>
+      <p:pic>
+        <p:nvPicPr>
+          <p:cNvPr id="5" name="Picture 4">
+            <a:extLst>
+              <a:ext uri="{FF2B5EF4-FFF2-40B4-BE49-F238E27FC236}">
+                <a16:creationId xmlns:a16="http://schemas.microsoft.com/office/drawing/2014/main" id="{A2242409-AEA2-A2EE-7258-3A85E32DF22A}"/>
+              </a:ext>
+            </a:extLst>
+          </p:cNvPr>
+          <p:cNvPicPr>
+            <a:picLocks noChangeAspect="1"/>
+          </p:cNvPicPr>
+          <p:nvPr/>
+        </p:nvPicPr>
+        <p:blipFill>
+          <a:blip r:embed="rId2">
+            <a:extLst>
+              <a:ext uri="{BEBA8EAE-BF5A-486C-A8C5-ECC9F3942E4B}">
+                <a14:imgProps xmlns:a14="http://schemas.microsoft.com/office/drawing/2010/main">
+                  <a14:imgLayer r:embed="rId3">
+                    <a14:imgEffect>
+                      <a14:saturation sat="0"/>
+                    </a14:imgEffect>
+                  </a14:imgLayer>
+                </a14:imgProps>
+              </a:ext>
+            </a:extLst>
+          </a:blip>
+          <a:stretch>
+            <a:fillRect/>
+          </a:stretch>
+        </p:blipFill>
+        <p:spPr>
+          <a:xfrm>
+            <a:off x="6096000" y="3079588"/>
+            <a:ext cx="5053263" cy="3232312"/>
+          </a:xfrm>
+          <a:prstGeom prst="ellipse">
+            <a:avLst/>
+          </a:prstGeom>
+          <a:ln>
+            <a:noFill/>
+          </a:ln>
+          <a:effectLst>
+            <a:softEdge rad="112500"/>
+          </a:effectLst>
+        </p:spPr>
+      </p:pic>
     </p:spTree>
     <p:extLst>
       <p:ext uri="{BB962C8B-B14F-4D97-AF65-F5344CB8AC3E}">
@@ -3717,6 +3909,48 @@
           </a:p>
         </p:txBody>
       </p:sp>
+      <p:pic>
+        <p:nvPicPr>
+          <p:cNvPr id="4" name="Picture 3">
+            <a:extLst>
+              <a:ext uri="{FF2B5EF4-FFF2-40B4-BE49-F238E27FC236}">
+                <a16:creationId xmlns:a16="http://schemas.microsoft.com/office/drawing/2014/main" id="{0FEBBDA5-3DE2-78AD-CEB8-E23D04100FA1}"/>
+              </a:ext>
+            </a:extLst>
+          </p:cNvPr>
+          <p:cNvPicPr>
+            <a:picLocks noChangeAspect="1"/>
+          </p:cNvPicPr>
+          <p:nvPr/>
+        </p:nvPicPr>
+        <p:blipFill>
+          <a:blip r:embed="rId2">
+            <a:extLst>
+              <a:ext uri="{BEBA8EAE-BF5A-486C-A8C5-ECC9F3942E4B}">
+                <a14:imgProps xmlns:a14="http://schemas.microsoft.com/office/drawing/2010/main">
+                  <a14:imgLayer r:embed="rId3">
+                    <a14:imgEffect>
+                      <a14:saturation sat="0"/>
+                    </a14:imgEffect>
+                  </a14:imgLayer>
+                </a14:imgProps>
+              </a:ext>
+            </a:extLst>
+          </a:blip>
+          <a:stretch>
+            <a:fillRect/>
+          </a:stretch>
+        </p:blipFill>
+        <p:spPr>
+          <a:xfrm>
+            <a:off x="5961529" y="3330948"/>
+            <a:ext cx="6015318" cy="3383616"/>
+          </a:xfrm>
+          <a:prstGeom prst="rect">
+            <a:avLst/>
+          </a:prstGeom>
+        </p:spPr>
+      </p:pic>
     </p:spTree>
     <p:extLst>
       <p:ext uri="{BB962C8B-B14F-4D97-AF65-F5344CB8AC3E}">
@@ -3811,6 +4045,90 @@
           </a:p>
         </p:txBody>
       </p:sp>
+      <p:pic>
+        <p:nvPicPr>
+          <p:cNvPr id="4" name="Picture 3">
+            <a:extLst>
+              <a:ext uri="{FF2B5EF4-FFF2-40B4-BE49-F238E27FC236}">
+                <a16:creationId xmlns:a16="http://schemas.microsoft.com/office/drawing/2014/main" id="{F47DD1E5-9826-2065-E81C-F58915990C4A}"/>
+              </a:ext>
+            </a:extLst>
+          </p:cNvPr>
+          <p:cNvPicPr>
+            <a:picLocks noChangeAspect="1"/>
+          </p:cNvPicPr>
+          <p:nvPr/>
+        </p:nvPicPr>
+        <p:blipFill>
+          <a:blip r:embed="rId2">
+            <a:extLst>
+              <a:ext uri="{BEBA8EAE-BF5A-486C-A8C5-ECC9F3942E4B}">
+                <a14:imgProps xmlns:a14="http://schemas.microsoft.com/office/drawing/2010/main">
+                  <a14:imgLayer r:embed="rId3">
+                    <a14:imgEffect>
+                      <a14:saturation sat="0"/>
+                    </a14:imgEffect>
+                  </a14:imgLayer>
+                </a14:imgProps>
+              </a:ext>
+            </a:extLst>
+          </a:blip>
+          <a:stretch>
+            <a:fillRect/>
+          </a:stretch>
+        </p:blipFill>
+        <p:spPr>
+          <a:xfrm>
+            <a:off x="6096000" y="3227294"/>
+            <a:ext cx="5456887" cy="2949669"/>
+          </a:xfrm>
+          <a:prstGeom prst="rect">
+            <a:avLst/>
+          </a:prstGeom>
+        </p:spPr>
+      </p:pic>
+      <p:pic>
+        <p:nvPicPr>
+          <p:cNvPr id="5" name="Picture 4">
+            <a:extLst>
+              <a:ext uri="{FF2B5EF4-FFF2-40B4-BE49-F238E27FC236}">
+                <a16:creationId xmlns:a16="http://schemas.microsoft.com/office/drawing/2014/main" id="{2E6FF772-9E76-4CFE-A026-13AA954711C4}"/>
+              </a:ext>
+            </a:extLst>
+          </p:cNvPr>
+          <p:cNvPicPr>
+            <a:picLocks noChangeAspect="1"/>
+          </p:cNvPicPr>
+          <p:nvPr/>
+        </p:nvPicPr>
+        <p:blipFill>
+          <a:blip r:embed="rId4">
+            <a:extLst>
+              <a:ext uri="{BEBA8EAE-BF5A-486C-A8C5-ECC9F3942E4B}">
+                <a14:imgProps xmlns:a14="http://schemas.microsoft.com/office/drawing/2010/main">
+                  <a14:imgLayer r:embed="rId5">
+                    <a14:imgEffect>
+                      <a14:saturation sat="0"/>
+                    </a14:imgEffect>
+                  </a14:imgLayer>
+                </a14:imgProps>
+              </a:ext>
+            </a:extLst>
+          </a:blip>
+          <a:stretch>
+            <a:fillRect/>
+          </a:stretch>
+        </p:blipFill>
+        <p:spPr>
+          <a:xfrm>
+            <a:off x="1994036" y="3826891"/>
+            <a:ext cx="1815965" cy="2350072"/>
+          </a:xfrm>
+          <a:prstGeom prst="rect">
+            <a:avLst/>
+          </a:prstGeom>
+        </p:spPr>
+      </p:pic>
     </p:spTree>
     <p:extLst>
       <p:ext uri="{BB962C8B-B14F-4D97-AF65-F5344CB8AC3E}">
@@ -3841,6 +4159,36 @@
           <a:chExt cx="0" cy="0"/>
         </a:xfrm>
       </p:grpSpPr>
+      <p:pic>
+        <p:nvPicPr>
+          <p:cNvPr id="6" name="Picture 5">
+            <a:extLst>
+              <a:ext uri="{FF2B5EF4-FFF2-40B4-BE49-F238E27FC236}">
+                <a16:creationId xmlns:a16="http://schemas.microsoft.com/office/drawing/2014/main" id="{FE0413A3-4A14-17F5-0FE5-4E1074EE1506}"/>
+              </a:ext>
+            </a:extLst>
+          </p:cNvPr>
+          <p:cNvPicPr>
+            <a:picLocks noChangeAspect="1"/>
+          </p:cNvPicPr>
+          <p:nvPr/>
+        </p:nvPicPr>
+        <p:blipFill>
+          <a:blip r:embed="rId2"/>
+          <a:stretch>
+            <a:fillRect/>
+          </a:stretch>
+        </p:blipFill>
+        <p:spPr>
+          <a:xfrm>
+            <a:off x="838201" y="237973"/>
+            <a:ext cx="11353800" cy="6620027"/>
+          </a:xfrm>
+          <a:prstGeom prst="rect">
+            <a:avLst/>
+          </a:prstGeom>
+        </p:spPr>
+      </p:pic>
       <p:sp>
         <p:nvSpPr>
           <p:cNvPr id="2" name="Title 1">

--- a/seminar/SeminarIVZ9min.pptx
+++ b/seminar/SeminarIVZ9min.pptx
@@ -250,7 +250,7 @@
           <a:p>
             <a:fld id="{EF8C8B33-8DB0-46F2-8154-6FB9E30C8046}" type="datetimeFigureOut">
               <a:rPr lang="en-SI" smtClean="0"/>
-              <a:t>11/11/2024</a:t>
+              <a:t>24/11/2024</a:t>
             </a:fld>
             <a:endParaRPr lang="en-SI"/>
           </a:p>
@@ -420,7 +420,7 @@
           <a:p>
             <a:fld id="{EF8C8B33-8DB0-46F2-8154-6FB9E30C8046}" type="datetimeFigureOut">
               <a:rPr lang="en-SI" smtClean="0"/>
-              <a:t>11/11/2024</a:t>
+              <a:t>24/11/2024</a:t>
             </a:fld>
             <a:endParaRPr lang="en-SI"/>
           </a:p>
@@ -600,7 +600,7 @@
           <a:p>
             <a:fld id="{EF8C8B33-8DB0-46F2-8154-6FB9E30C8046}" type="datetimeFigureOut">
               <a:rPr lang="en-SI" smtClean="0"/>
-              <a:t>11/11/2024</a:t>
+              <a:t>24/11/2024</a:t>
             </a:fld>
             <a:endParaRPr lang="en-SI"/>
           </a:p>
@@ -770,7 +770,7 @@
           <a:p>
             <a:fld id="{EF8C8B33-8DB0-46F2-8154-6FB9E30C8046}" type="datetimeFigureOut">
               <a:rPr lang="en-SI" smtClean="0"/>
-              <a:t>11/11/2024</a:t>
+              <a:t>24/11/2024</a:t>
             </a:fld>
             <a:endParaRPr lang="en-SI"/>
           </a:p>
@@ -1016,7 +1016,7 @@
           <a:p>
             <a:fld id="{EF8C8B33-8DB0-46F2-8154-6FB9E30C8046}" type="datetimeFigureOut">
               <a:rPr lang="en-SI" smtClean="0"/>
-              <a:t>11/11/2024</a:t>
+              <a:t>24/11/2024</a:t>
             </a:fld>
             <a:endParaRPr lang="en-SI"/>
           </a:p>
@@ -1248,7 +1248,7 @@
           <a:p>
             <a:fld id="{EF8C8B33-8DB0-46F2-8154-6FB9E30C8046}" type="datetimeFigureOut">
               <a:rPr lang="en-SI" smtClean="0"/>
-              <a:t>11/11/2024</a:t>
+              <a:t>24/11/2024</a:t>
             </a:fld>
             <a:endParaRPr lang="en-SI"/>
           </a:p>
@@ -1615,7 +1615,7 @@
           <a:p>
             <a:fld id="{EF8C8B33-8DB0-46F2-8154-6FB9E30C8046}" type="datetimeFigureOut">
               <a:rPr lang="en-SI" smtClean="0"/>
-              <a:t>11/11/2024</a:t>
+              <a:t>24/11/2024</a:t>
             </a:fld>
             <a:endParaRPr lang="en-SI"/>
           </a:p>
@@ -1733,7 +1733,7 @@
           <a:p>
             <a:fld id="{EF8C8B33-8DB0-46F2-8154-6FB9E30C8046}" type="datetimeFigureOut">
               <a:rPr lang="en-SI" smtClean="0"/>
-              <a:t>11/11/2024</a:t>
+              <a:t>24/11/2024</a:t>
             </a:fld>
             <a:endParaRPr lang="en-SI"/>
           </a:p>
@@ -1828,7 +1828,7 @@
           <a:p>
             <a:fld id="{EF8C8B33-8DB0-46F2-8154-6FB9E30C8046}" type="datetimeFigureOut">
               <a:rPr lang="en-SI" smtClean="0"/>
-              <a:t>11/11/2024</a:t>
+              <a:t>24/11/2024</a:t>
             </a:fld>
             <a:endParaRPr lang="en-SI"/>
           </a:p>
@@ -2105,7 +2105,7 @@
           <a:p>
             <a:fld id="{EF8C8B33-8DB0-46F2-8154-6FB9E30C8046}" type="datetimeFigureOut">
               <a:rPr lang="en-SI" smtClean="0"/>
-              <a:t>11/11/2024</a:t>
+              <a:t>24/11/2024</a:t>
             </a:fld>
             <a:endParaRPr lang="en-SI"/>
           </a:p>
@@ -2362,7 +2362,7 @@
           <a:p>
             <a:fld id="{EF8C8B33-8DB0-46F2-8154-6FB9E30C8046}" type="datetimeFigureOut">
               <a:rPr lang="en-SI" smtClean="0"/>
-              <a:t>11/11/2024</a:t>
+              <a:t>24/11/2024</a:t>
             </a:fld>
             <a:endParaRPr lang="en-SI"/>
           </a:p>
@@ -2575,7 +2575,7 @@
           <a:p>
             <a:fld id="{EF8C8B33-8DB0-46F2-8154-6FB9E30C8046}" type="datetimeFigureOut">
               <a:rPr lang="en-SI" smtClean="0"/>
-              <a:t>11/11/2024</a:t>
+              <a:t>24/11/2024</a:t>
             </a:fld>
             <a:endParaRPr lang="en-SI"/>
           </a:p>
@@ -3276,7 +3276,12 @@
             <p:ph idx="1"/>
           </p:nvPr>
         </p:nvSpPr>
-        <p:spPr/>
+        <p:spPr>
+          <a:xfrm>
+            <a:off x="411681" y="1720766"/>
+            <a:ext cx="10515600" cy="4351338"/>
+          </a:xfrm>
+        </p:spPr>
         <p:txBody>
           <a:bodyPr/>
           <a:lstStyle/>
@@ -3744,6 +3749,12 @@
           <a:p>
             <a:r>
               <a:rPr lang="en-US" dirty="0"/>
+              <a:t>Generic content often fails.</a:t>
+            </a:r>
+          </a:p>
+          <a:p>
+            <a:r>
+              <a:rPr lang="en-US" dirty="0"/>
               <a:t>Aligns training with user motivations.</a:t>
             </a:r>
           </a:p>
@@ -3751,12 +3762,6 @@
             <a:r>
               <a:rPr lang="en-US" dirty="0"/>
               <a:t>Drives real behavioral change.</a:t>
-            </a:r>
-          </a:p>
-          <a:p>
-            <a:r>
-              <a:rPr lang="en-US" dirty="0"/>
-              <a:t>Generic content often fails.</a:t>
             </a:r>
           </a:p>
         </p:txBody>
